--- a/Countdown/Countdown.pptx
+++ b/Countdown/Countdown.pptx
@@ -201,7 +201,7 @@
           <a:p>
             <a:fld id="{DD7A25D8-F173-4133-85F8-CB962D678EB5}" type="datetimeFigureOut">
               <a:rPr lang="de-DE" smtClean="0"/>
-              <a:t>15.01.2019</a:t>
+              <a:t>06.12.2019</a:t>
             </a:fld>
             <a:endParaRPr lang="de-DE"/>
           </a:p>
@@ -265,38 +265,37 @@
           <a:p>
             <a:pPr lvl="0"/>
             <a:r>
-              <a:rPr lang="de-DE" smtClean="0"/>
+              <a:rPr lang="de-DE"/>
               <a:t>Formatvorlagen des Textmasters bearbeiten</a:t>
             </a:r>
           </a:p>
           <a:p>
             <a:pPr lvl="1"/>
             <a:r>
-              <a:rPr lang="de-DE" smtClean="0"/>
+              <a:rPr lang="de-DE"/>
               <a:t>Zweite Ebene</a:t>
             </a:r>
           </a:p>
           <a:p>
             <a:pPr lvl="2"/>
             <a:r>
-              <a:rPr lang="de-DE" smtClean="0"/>
+              <a:rPr lang="de-DE"/>
               <a:t>Dritte Ebene</a:t>
             </a:r>
           </a:p>
           <a:p>
             <a:pPr lvl="3"/>
             <a:r>
-              <a:rPr lang="de-DE" smtClean="0"/>
+              <a:rPr lang="de-DE"/>
               <a:t>Vierte Ebene</a:t>
             </a:r>
           </a:p>
           <a:p>
             <a:pPr lvl="4"/>
             <a:r>
-              <a:rPr lang="de-DE" smtClean="0"/>
+              <a:rPr lang="de-DE"/>
               <a:t>Fünfte Ebene</a:t>
             </a:r>
-            <a:endParaRPr lang="de-DE"/>
           </a:p>
         </p:txBody>
       </p:sp>
@@ -511,7 +510,7 @@
           </a:lstStyle>
           <a:p>
             <a:r>
-              <a:rPr lang="de-DE" smtClean="0"/>
+              <a:rPr lang="de-DE"/>
               <a:t>Titelmasterformat durch Klicken bearbeiten</a:t>
             </a:r>
             <a:endParaRPr lang="en-US" dirty="0"/>
@@ -576,7 +575,7 @@
           </a:lstStyle>
           <a:p>
             <a:r>
-              <a:rPr lang="de-DE" smtClean="0"/>
+              <a:rPr lang="de-DE"/>
               <a:t>Formatvorlage des Untertitelmasters durch Klicken bearbeiten</a:t>
             </a:r>
             <a:endParaRPr lang="en-US" dirty="0"/>
@@ -600,7 +599,7 @@
           <a:p>
             <a:fld id="{FC9269F9-6F79-4414-A84E-D81C6C443C37}" type="datetimeFigureOut">
               <a:rPr lang="de-DE" smtClean="0"/>
-              <a:t>15.01.2019</a:t>
+              <a:t>06.12.2019</a:t>
             </a:fld>
             <a:endParaRPr lang="de-DE"/>
           </a:p>
@@ -658,13 +657,6 @@
   <p:clrMapOvr>
     <a:masterClrMapping/>
   </p:clrMapOvr>
-  <p:timing>
-    <p:tnLst>
-      <p:par>
-        <p:cTn id="1" dur="indefinite" restart="never" nodeType="tmRoot"/>
-      </p:par>
-    </p:tnLst>
-  </p:timing>
 </p:sldLayout>
 </file>
 
@@ -807,7 +799,7 @@
           </a:lstStyle>
           <a:p>
             <a:r>
-              <a:rPr lang="de-DE" dirty="0" smtClean="0"/>
+              <a:rPr lang="de-DE" dirty="0"/>
               <a:t>Titelmasterformat durch Klicken bearbeiten</a:t>
             </a:r>
             <a:endParaRPr lang="en-US" dirty="0"/>
@@ -1021,10 +1013,9 @@
           <a:p>
             <a:pPr lvl="0"/>
             <a:r>
-              <a:rPr lang="de-DE" dirty="0" smtClean="0"/>
+              <a:rPr lang="de-DE" dirty="0"/>
               <a:t>Aufgabentext</a:t>
             </a:r>
-            <a:endParaRPr lang="de-DE" dirty="0"/>
           </a:p>
         </p:txBody>
       </p:sp>
@@ -1051,10 +1042,9 @@
           <a:lstStyle/>
           <a:p>
             <a:r>
-              <a:rPr lang="de-DE" b="1" dirty="0" smtClean="0"/>
+              <a:rPr lang="de-DE" b="1" dirty="0"/>
               <a:t>Challenge</a:t>
             </a:r>
-            <a:endParaRPr lang="de-DE" b="1" dirty="0"/>
           </a:p>
         </p:txBody>
       </p:sp>
@@ -1091,10 +1081,9 @@
           <a:p>
             <a:pPr lvl="0"/>
             <a:r>
-              <a:rPr lang="de-DE" dirty="0" smtClean="0"/>
+              <a:rPr lang="de-DE" dirty="0"/>
               <a:t>Schwierigkeitsgrad</a:t>
             </a:r>
-            <a:endParaRPr lang="de-DE" dirty="0"/>
           </a:p>
         </p:txBody>
       </p:sp>
@@ -1131,7 +1120,7 @@
           <a:p>
             <a:pPr lvl="0"/>
             <a:r>
-              <a:rPr lang="de-DE" sz="3200" dirty="0" smtClean="0"/>
+              <a:rPr lang="de-DE" sz="3200" dirty="0"/>
               <a:t>N</a:t>
             </a:r>
             <a:endParaRPr lang="de-DE" dirty="0"/>
@@ -1249,6 +1238,42 @@
           </a:prstGeom>
         </p:spPr>
       </p:pic>
+      <p:pic>
+        <p:nvPicPr>
+          <p:cNvPr id="27" name="Grafik 26">
+            <a:extLst>
+              <a:ext uri="{FF2B5EF4-FFF2-40B4-BE49-F238E27FC236}">
+                <a16:creationId xmlns:a16="http://schemas.microsoft.com/office/drawing/2014/main" id="{9931F799-14FB-419E-BAEF-BAC4CBC5DF45}"/>
+              </a:ext>
+            </a:extLst>
+          </p:cNvPr>
+          <p:cNvPicPr>
+            <a:picLocks noChangeAspect="1"/>
+          </p:cNvPicPr>
+          <p:nvPr userDrawn="1"/>
+        </p:nvPicPr>
+        <p:blipFill>
+          <a:blip r:embed="rId4" cstate="print">
+            <a:extLst>
+              <a:ext uri="{28A0092B-C50C-407E-A947-70E740481C1C}">
+                <a14:useLocalDpi xmlns:a14="http://schemas.microsoft.com/office/drawing/2010/main" val="0"/>
+              </a:ext>
+            </a:extLst>
+          </a:blip>
+          <a:stretch>
+            <a:fillRect/>
+          </a:stretch>
+        </p:blipFill>
+        <p:spPr>
+          <a:xfrm>
+            <a:off x="2074069" y="9099550"/>
+            <a:ext cx="381000" cy="571500"/>
+          </a:xfrm>
+          <a:prstGeom prst="rect">
+            <a:avLst/>
+          </a:prstGeom>
+        </p:spPr>
+      </p:pic>
     </p:spTree>
     <p:extLst>
       <p:ext uri="{BB962C8B-B14F-4D97-AF65-F5344CB8AC3E}">
@@ -1259,13 +1284,6 @@
   <p:clrMapOvr>
     <a:masterClrMapping/>
   </p:clrMapOvr>
-  <p:timing>
-    <p:tnLst>
-      <p:par>
-        <p:cTn id="1" dur="indefinite" restart="never" nodeType="tmRoot"/>
-      </p:par>
-    </p:tnLst>
-  </p:timing>
 </p:sldLayout>
 </file>
 
@@ -1408,7 +1426,7 @@
           </a:lstStyle>
           <a:p>
             <a:r>
-              <a:rPr lang="de-DE" dirty="0" smtClean="0"/>
+              <a:rPr lang="de-DE" dirty="0"/>
               <a:t>Titelmasterformat durch Klicken bearbeiten</a:t>
             </a:r>
             <a:endParaRPr lang="en-US" dirty="0"/>
@@ -1668,13 +1686,6 @@
   <p:clrMapOvr>
     <a:masterClrMapping/>
   </p:clrMapOvr>
-  <p:timing>
-    <p:tnLst>
-      <p:par>
-        <p:cTn id="1" dur="indefinite" restart="never" nodeType="tmRoot"/>
-      </p:par>
-    </p:tnLst>
-  </p:timing>
 </p:sldLayout>
 </file>
 
@@ -1724,10 +1735,9 @@
           </a:lstStyle>
           <a:p>
             <a:r>
-              <a:rPr lang="de-DE" dirty="0" smtClean="0"/>
+              <a:rPr lang="de-DE" dirty="0"/>
               <a:t>Aufgabe</a:t>
             </a:r>
-            <a:endParaRPr lang="de-DE" dirty="0"/>
           </a:p>
         </p:txBody>
       </p:sp>
@@ -1748,7 +1758,7 @@
           <a:p>
             <a:fld id="{FC9269F9-6F79-4414-A84E-D81C6C443C37}" type="datetimeFigureOut">
               <a:rPr lang="de-DE" smtClean="0"/>
-              <a:t>15.01.2019</a:t>
+              <a:t>06.12.2019</a:t>
             </a:fld>
             <a:endParaRPr lang="de-DE"/>
           </a:p>
@@ -1800,14 +1810,11 @@
           <a:lstStyle/>
           <a:p>
             <a:r>
-              <a:rPr lang="de-DE" sz="3600" b="1" dirty="0" smtClean="0">
+              <a:rPr lang="de-DE" sz="3600" b="1" dirty="0">
                 <a:latin typeface="+mn-lt"/>
               </a:rPr>
               <a:t>Lösung</a:t>
             </a:r>
-            <a:endParaRPr lang="de-DE" sz="3600" b="1" dirty="0">
-              <a:latin typeface="+mn-lt"/>
-            </a:endParaRPr>
           </a:p>
         </p:txBody>
       </p:sp>
@@ -1870,10 +1877,9 @@
           <a:lstStyle/>
           <a:p>
             <a:r>
-              <a:rPr lang="de-DE" sz="1200" dirty="0" smtClean="0"/>
+              <a:rPr lang="de-DE" sz="1200" dirty="0"/>
               <a:t>Verwendete Befehlsgruppen</a:t>
             </a:r>
-            <a:endParaRPr lang="de-DE" sz="1200" dirty="0"/>
           </a:p>
         </p:txBody>
       </p:sp>
@@ -1960,10 +1966,9 @@
           <a:lstStyle/>
           <a:p>
             <a:r>
-              <a:rPr lang="de-DE" sz="1600" b="1" dirty="0" smtClean="0"/>
+              <a:rPr lang="de-DE" sz="1600" b="1" dirty="0"/>
               <a:t>Code</a:t>
             </a:r>
-            <a:endParaRPr lang="de-DE" sz="1600" b="1" dirty="0"/>
           </a:p>
         </p:txBody>
       </p:sp>
@@ -1999,38 +2004,37 @@
           <a:p>
             <a:pPr lvl="0"/>
             <a:r>
-              <a:rPr lang="de-DE" dirty="0" smtClean="0"/>
+              <a:rPr lang="de-DE" dirty="0"/>
               <a:t>Formatvorlagen des Textmasters bearbeiten</a:t>
             </a:r>
           </a:p>
           <a:p>
             <a:pPr lvl="1"/>
             <a:r>
-              <a:rPr lang="de-DE" dirty="0" smtClean="0"/>
+              <a:rPr lang="de-DE" dirty="0"/>
               <a:t>Zweite Ebene</a:t>
             </a:r>
           </a:p>
           <a:p>
             <a:pPr lvl="2"/>
             <a:r>
-              <a:rPr lang="de-DE" dirty="0" smtClean="0"/>
+              <a:rPr lang="de-DE" dirty="0"/>
               <a:t>Dritte Ebene</a:t>
             </a:r>
           </a:p>
           <a:p>
             <a:pPr lvl="3"/>
             <a:r>
-              <a:rPr lang="de-DE" dirty="0" smtClean="0"/>
+              <a:rPr lang="de-DE" dirty="0"/>
               <a:t>Vierte Ebene</a:t>
             </a:r>
           </a:p>
           <a:p>
             <a:pPr lvl="4"/>
             <a:r>
-              <a:rPr lang="de-DE" dirty="0" smtClean="0"/>
+              <a:rPr lang="de-DE" dirty="0"/>
               <a:t>Fünfte Ebene</a:t>
             </a:r>
-            <a:endParaRPr lang="de-DE" dirty="0"/>
           </a:p>
         </p:txBody>
       </p:sp>
@@ -2106,12 +2110,12 @@
           <a:p>
             <a:pPr algn="ctr"/>
             <a:r>
-              <a:rPr lang="de-DE" sz="1100" dirty="0" smtClean="0">
+              <a:rPr lang="de-DE" sz="1100" dirty="0">
                 <a:hlinkClick r:id="rId2"/>
               </a:rPr>
               <a:t>https://www.htw-dresden.de/kiss-mint</a:t>
             </a:r>
-            <a:endParaRPr lang="de-DE" sz="1100" dirty="0" smtClean="0"/>
+            <a:endParaRPr lang="de-DE" sz="1100" dirty="0"/>
           </a:p>
         </p:txBody>
       </p:sp>
@@ -2125,13 +2129,6 @@
   <p:clrMapOvr>
     <a:masterClrMapping/>
   </p:clrMapOvr>
-  <p:timing>
-    <p:tnLst>
-      <p:par>
-        <p:cTn id="1" dur="indefinite" restart="never" nodeType="tmRoot"/>
-      </p:par>
-    </p:tnLst>
-  </p:timing>
 </p:sldLayout>
 </file>
 
@@ -2179,10 +2176,9 @@
           </a:lstStyle>
           <a:p>
             <a:r>
-              <a:rPr lang="de-DE" dirty="0" smtClean="0"/>
+              <a:rPr lang="de-DE" dirty="0"/>
               <a:t>Titelmasterformat durch Klicken bearbeiten</a:t>
             </a:r>
-            <a:endParaRPr lang="de-DE" dirty="0"/>
           </a:p>
         </p:txBody>
       </p:sp>
@@ -2203,7 +2199,7 @@
           <a:p>
             <a:fld id="{FC9269F9-6F79-4414-A84E-D81C6C443C37}" type="datetimeFigureOut">
               <a:rPr lang="de-DE" smtClean="0"/>
-              <a:t>15.01.2019</a:t>
+              <a:t>06.12.2019</a:t>
             </a:fld>
             <a:endParaRPr lang="de-DE"/>
           </a:p>
@@ -2261,7 +2257,7 @@
           <a:p>
             <a:pPr lvl="0"/>
             <a:r>
-              <a:rPr lang="de-DE" b="1" dirty="0" smtClean="0"/>
+              <a:rPr lang="de-DE" b="1" dirty="0"/>
               <a:t>Rubrik</a:t>
             </a:r>
             <a:endParaRPr lang="de-DE" dirty="0"/>
@@ -2316,10 +2312,9 @@
           <a:p>
             <a:pPr lvl="0"/>
             <a:r>
-              <a:rPr lang="de-DE" dirty="0" smtClean="0"/>
+              <a:rPr lang="de-DE" dirty="0"/>
               <a:t>Formatvorlagen des Textmasters bearbeiten</a:t>
             </a:r>
-            <a:endParaRPr lang="de-DE" dirty="0"/>
           </a:p>
         </p:txBody>
       </p:sp>
@@ -2347,12 +2342,12 @@
           <a:p>
             <a:pPr algn="ctr"/>
             <a:r>
-              <a:rPr lang="de-DE" sz="1100" dirty="0" smtClean="0">
+              <a:rPr lang="de-DE" sz="1100" dirty="0">
                 <a:hlinkClick r:id="rId2"/>
               </a:rPr>
               <a:t>https://www.htw-dresden.de/kiss-mint</a:t>
             </a:r>
-            <a:endParaRPr lang="de-DE" sz="1100" dirty="0" smtClean="0"/>
+            <a:endParaRPr lang="de-DE" sz="1100" dirty="0"/>
           </a:p>
         </p:txBody>
       </p:sp>
@@ -2366,13 +2361,6 @@
   <p:clrMapOvr>
     <a:masterClrMapping/>
   </p:clrMapOvr>
-  <p:timing>
-    <p:tnLst>
-      <p:par>
-        <p:cTn id="1" dur="indefinite" restart="never" nodeType="tmRoot"/>
-      </p:par>
-    </p:tnLst>
-  </p:timing>
 </p:sldLayout>
 </file>
 
@@ -2660,34 +2648,34 @@
           <a:p>
             <a:pPr algn="ctr"/>
             <a:r>
-              <a:rPr lang="de-DE" b="1" dirty="0" smtClean="0"/>
+              <a:rPr lang="de-DE" b="1" dirty="0"/>
               <a:t>Veröffentlicht</a:t>
             </a:r>
             <a:r>
-              <a:rPr lang="de-DE" b="1" baseline="0" dirty="0" smtClean="0"/>
+              <a:rPr lang="de-DE" b="1" baseline="0" dirty="0"/>
               <a:t> unter CC BY SA</a:t>
             </a:r>
           </a:p>
           <a:p>
             <a:pPr algn="ctr"/>
-            <a:endParaRPr lang="de-DE" b="0" baseline="0" dirty="0" smtClean="0"/>
+            <a:endParaRPr lang="de-DE" b="0" baseline="0" dirty="0"/>
           </a:p>
           <a:p>
             <a:pPr algn="ctr"/>
             <a:r>
-              <a:rPr lang="de-DE" b="0" dirty="0" smtClean="0"/>
+              <a:rPr lang="de-DE" b="0" dirty="0"/>
               <a:t>Dieses Werk ist unter einer Creative </a:t>
             </a:r>
             <a:r>
-              <a:rPr lang="de-DE" b="0" dirty="0" err="1" smtClean="0"/>
+              <a:rPr lang="de-DE" b="0" dirty="0" err="1"/>
               <a:t>Commons</a:t>
             </a:r>
             <a:r>
-              <a:rPr lang="de-DE" b="0" dirty="0" smtClean="0"/>
+              <a:rPr lang="de-DE" b="0" dirty="0"/>
               <a:t> Lizenz vom Typ Namensnennung - Weitergabe unter gleichen Bedingungen 4.0 International zugänglich. Um eine Kopie dieser Lizenz einzusehen, konsultieren </a:t>
             </a:r>
             <a:r>
-              <a:rPr lang="de-DE" b="0" dirty="0" smtClean="0">
+              <a:rPr lang="de-DE" b="0" dirty="0">
                 <a:solidFill>
                   <a:schemeClr val="bg1"/>
                 </a:solidFill>
@@ -2695,18 +2683,17 @@
               <a:t>Sie http://creativecommons.org/licenses/by-sa/4.0/ oder </a:t>
             </a:r>
             <a:r>
-              <a:rPr lang="de-DE" b="0" dirty="0" smtClean="0"/>
+              <a:rPr lang="de-DE" b="0" dirty="0"/>
               <a:t>wenden Sie sich brieflich an Creative </a:t>
             </a:r>
             <a:r>
-              <a:rPr lang="de-DE" b="0" dirty="0" err="1" smtClean="0"/>
+              <a:rPr lang="de-DE" b="0" dirty="0" err="1"/>
               <a:t>Commons</a:t>
             </a:r>
             <a:r>
-              <a:rPr lang="de-DE" b="0" dirty="0" smtClean="0"/>
+              <a:rPr lang="de-DE" b="0" dirty="0"/>
               <a:t>, Postfach 1866, Mountain View, California, 94042, USA.</a:t>
             </a:r>
-            <a:endParaRPr lang="de-DE" b="0" dirty="0"/>
           </a:p>
         </p:txBody>
       </p:sp>
@@ -2865,38 +2852,37 @@
           <a:p>
             <a:pPr lvl="0"/>
             <a:r>
-              <a:rPr lang="de-DE" dirty="0" smtClean="0"/>
+              <a:rPr lang="de-DE" dirty="0"/>
               <a:t>Formatvorlagen des Textmasters bearbeiten</a:t>
             </a:r>
           </a:p>
           <a:p>
             <a:pPr lvl="1"/>
             <a:r>
-              <a:rPr lang="de-DE" dirty="0" smtClean="0"/>
+              <a:rPr lang="de-DE" dirty="0"/>
               <a:t>Zweite Ebene</a:t>
             </a:r>
           </a:p>
           <a:p>
             <a:pPr lvl="2"/>
             <a:r>
-              <a:rPr lang="de-DE" dirty="0" smtClean="0"/>
+              <a:rPr lang="de-DE" dirty="0"/>
               <a:t>Dritte Ebene</a:t>
             </a:r>
           </a:p>
           <a:p>
             <a:pPr lvl="3"/>
             <a:r>
-              <a:rPr lang="de-DE" dirty="0" smtClean="0"/>
+              <a:rPr lang="de-DE" dirty="0"/>
               <a:t>Vierte Ebene</a:t>
             </a:r>
           </a:p>
           <a:p>
             <a:pPr lvl="4"/>
             <a:r>
-              <a:rPr lang="de-DE" dirty="0" smtClean="0"/>
+              <a:rPr lang="de-DE" dirty="0"/>
               <a:t>Fünfte Ebene</a:t>
             </a:r>
-            <a:endParaRPr lang="de-DE" dirty="0"/>
           </a:p>
         </p:txBody>
       </p:sp>
@@ -2929,6 +2915,42 @@
           </a:prstGeom>
         </p:spPr>
       </p:pic>
+      <p:pic>
+        <p:nvPicPr>
+          <p:cNvPr id="15" name="Grafik 14">
+            <a:extLst>
+              <a:ext uri="{FF2B5EF4-FFF2-40B4-BE49-F238E27FC236}">
+                <a16:creationId xmlns:a16="http://schemas.microsoft.com/office/drawing/2014/main" id="{030B3474-ABDD-49E4-A776-8B0DFB882D16}"/>
+              </a:ext>
+            </a:extLst>
+          </p:cNvPr>
+          <p:cNvPicPr>
+            <a:picLocks noChangeAspect="1"/>
+          </p:cNvPicPr>
+          <p:nvPr userDrawn="1"/>
+        </p:nvPicPr>
+        <p:blipFill>
+          <a:blip r:embed="rId7" cstate="print">
+            <a:extLst>
+              <a:ext uri="{28A0092B-C50C-407E-A947-70E740481C1C}">
+                <a14:useLocalDpi xmlns:a14="http://schemas.microsoft.com/office/drawing/2010/main" val="0"/>
+              </a:ext>
+            </a:extLst>
+          </a:blip>
+          <a:stretch>
+            <a:fillRect/>
+          </a:stretch>
+        </p:blipFill>
+        <p:spPr>
+          <a:xfrm>
+            <a:off x="2074069" y="9099550"/>
+            <a:ext cx="381000" cy="571500"/>
+          </a:xfrm>
+          <a:prstGeom prst="rect">
+            <a:avLst/>
+          </a:prstGeom>
+        </p:spPr>
+      </p:pic>
     </p:spTree>
     <p:extLst>
       <p:ext uri="{BB962C8B-B14F-4D97-AF65-F5344CB8AC3E}">
@@ -2939,13 +2961,6 @@
   <p:clrMapOvr>
     <a:masterClrMapping/>
   </p:clrMapOvr>
-  <p:timing>
-    <p:tnLst>
-      <p:par>
-        <p:cTn id="1" dur="indefinite" restart="never" nodeType="tmRoot"/>
-      </p:par>
-    </p:tnLst>
-  </p:timing>
 </p:sldLayout>
 </file>
 
@@ -2993,10 +3008,9 @@
           </a:lstStyle>
           <a:p>
             <a:r>
-              <a:rPr lang="de-DE" dirty="0" smtClean="0"/>
+              <a:rPr lang="de-DE" dirty="0"/>
               <a:t>Titelmasterformat durch Klicken bearbeiten</a:t>
             </a:r>
-            <a:endParaRPr lang="de-DE" dirty="0"/>
           </a:p>
         </p:txBody>
       </p:sp>
@@ -3017,7 +3031,7 @@
           <a:p>
             <a:fld id="{FC9269F9-6F79-4414-A84E-D81C6C443C37}" type="datetimeFigureOut">
               <a:rPr lang="de-DE" smtClean="0"/>
-              <a:t>15.01.2019</a:t>
+              <a:t>06.12.2019</a:t>
             </a:fld>
             <a:endParaRPr lang="de-DE"/>
           </a:p>
@@ -3094,7 +3108,7 @@
           <a:p>
             <a:pPr lvl="0"/>
             <a:r>
-              <a:rPr lang="de-DE" b="1" dirty="0" smtClean="0"/>
+              <a:rPr lang="de-DE" b="1" dirty="0"/>
               <a:t>Rubrik</a:t>
             </a:r>
             <a:endParaRPr lang="de-DE" dirty="0"/>
@@ -3153,10 +3167,9 @@
           <a:p>
             <a:pPr lvl="0"/>
             <a:r>
-              <a:rPr lang="de-DE" dirty="0" smtClean="0"/>
+              <a:rPr lang="de-DE" dirty="0"/>
               <a:t>Formatvorlagen des Textmasters bearbeiten</a:t>
             </a:r>
-            <a:endParaRPr lang="de-DE" dirty="0"/>
           </a:p>
         </p:txBody>
       </p:sp>
@@ -3188,10 +3201,9 @@
           <a:p>
             <a:pPr lvl="0"/>
             <a:r>
-              <a:rPr lang="de-DE" dirty="0" smtClean="0"/>
+              <a:rPr lang="de-DE" dirty="0"/>
               <a:t>Legende</a:t>
             </a:r>
-            <a:endParaRPr lang="de-DE" dirty="0"/>
           </a:p>
         </p:txBody>
       </p:sp>
@@ -3205,13 +3217,6 @@
   <p:clrMapOvr>
     <a:masterClrMapping/>
   </p:clrMapOvr>
-  <p:timing>
-    <p:tnLst>
-      <p:par>
-        <p:cTn id="1" dur="indefinite" restart="never" nodeType="tmRoot"/>
-      </p:par>
-    </p:tnLst>
-  </p:timing>
 </p:sldLayout>
 </file>
 
@@ -3249,7 +3254,7 @@
           <a:p>
             <a:fld id="{FC9269F9-6F79-4414-A84E-D81C6C443C37}" type="datetimeFigureOut">
               <a:rPr lang="de-DE" smtClean="0"/>
-              <a:t>15.01.2019</a:t>
+              <a:t>06.12.2019</a:t>
             </a:fld>
             <a:endParaRPr lang="de-DE"/>
           </a:p>
@@ -3307,13 +3312,6 @@
   <p:clrMapOvr>
     <a:masterClrMapping/>
   </p:clrMapOvr>
-  <p:timing>
-    <p:tnLst>
-      <p:par>
-        <p:cTn id="1" dur="indefinite" restart="never" nodeType="tmRoot"/>
-      </p:par>
-    </p:tnLst>
-  </p:timing>
 </p:sldLayout>
 </file>
 
@@ -3365,7 +3363,7 @@
           <a:lstStyle/>
           <a:p>
             <a:r>
-              <a:rPr lang="de-DE" smtClean="0"/>
+              <a:rPr lang="de-DE"/>
               <a:t>Titelmasterformat durch Klicken bearbeiten</a:t>
             </a:r>
             <a:endParaRPr lang="en-US" dirty="0"/>
@@ -3399,35 +3397,35 @@
           <a:p>
             <a:pPr lvl="0"/>
             <a:r>
-              <a:rPr lang="de-DE" smtClean="0"/>
+              <a:rPr lang="de-DE"/>
               <a:t>Formatvorlagen des Textmasters bearbeiten</a:t>
             </a:r>
           </a:p>
           <a:p>
             <a:pPr lvl="1"/>
             <a:r>
-              <a:rPr lang="de-DE" smtClean="0"/>
+              <a:rPr lang="de-DE"/>
               <a:t>Zweite Ebene</a:t>
             </a:r>
           </a:p>
           <a:p>
             <a:pPr lvl="2"/>
             <a:r>
-              <a:rPr lang="de-DE" smtClean="0"/>
+              <a:rPr lang="de-DE"/>
               <a:t>Dritte Ebene</a:t>
             </a:r>
           </a:p>
           <a:p>
             <a:pPr lvl="3"/>
             <a:r>
-              <a:rPr lang="de-DE" smtClean="0"/>
+              <a:rPr lang="de-DE"/>
               <a:t>Vierte Ebene</a:t>
             </a:r>
           </a:p>
           <a:p>
             <a:pPr lvl="4"/>
             <a:r>
-              <a:rPr lang="de-DE" smtClean="0"/>
+              <a:rPr lang="de-DE"/>
               <a:t>Fünfte Ebene</a:t>
             </a:r>
             <a:endParaRPr lang="en-US" dirty="0"/>
@@ -3469,7 +3467,7 @@
           <a:p>
             <a:fld id="{FC9269F9-6F79-4414-A84E-D81C6C443C37}" type="datetimeFigureOut">
               <a:rPr lang="de-DE" smtClean="0"/>
-              <a:t>15.01.2019</a:t>
+              <a:t>06.12.2019</a:t>
             </a:fld>
             <a:endParaRPr lang="de-DE"/>
           </a:p>
@@ -3572,13 +3570,6 @@
     <p:sldLayoutId id="2147483674" r:id="rId7"/>
     <p:sldLayoutId id="2147483676" r:id="rId8"/>
   </p:sldLayoutIdLst>
-  <p:timing>
-    <p:tnLst>
-      <p:par>
-        <p:cTn id="1" dur="indefinite" restart="never" nodeType="tmRoot"/>
-      </p:par>
-    </p:tnLst>
-  </p:timing>
   <p:txStyles>
     <p:titleStyle>
       <a:lvl1pPr algn="l" defTabSz="685800" rtl="0" eaLnBrk="1" latinLnBrk="0" hangingPunct="1">
@@ -3895,10 +3886,9 @@
           <a:lstStyle/>
           <a:p>
             <a:r>
-              <a:rPr lang="de-DE" dirty="0" smtClean="0"/>
+              <a:rPr lang="de-DE" dirty="0"/>
               <a:t>Countdown</a:t>
             </a:r>
-            <a:endParaRPr lang="de-DE" dirty="0"/>
           </a:p>
         </p:txBody>
       </p:sp>
@@ -3925,33 +3915,23 @@
           <a:lstStyle/>
           <a:p>
             <a:r>
-              <a:rPr lang="de-DE" dirty="0" smtClean="0"/>
+              <a:rPr lang="de-DE" dirty="0"/>
               <a:t>Erstelle einen Countdown-</a:t>
             </a:r>
             <a:r>
-              <a:rPr lang="de-DE" dirty="0" err="1" smtClean="0"/>
+              <a:rPr lang="de-DE" dirty="0" err="1"/>
               <a:t>Timer</a:t>
             </a:r>
             <a:r>
-              <a:rPr lang="de-DE" dirty="0" smtClean="0"/>
+              <a:rPr lang="de-DE" dirty="0"/>
               <a:t>, der jede Sekunde eine LED der Matrix anschaltet. Ist sie voll, soll ein Signaleton zu hören sein.</a:t>
             </a:r>
-            <a:endParaRPr lang="de-DE" dirty="0" smtClean="0"/>
-          </a:p>
-          <a:p>
-            <a:r>
-              <a:rPr lang="de-DE" dirty="0" smtClean="0"/>
-              <a:t>Optional: </a:t>
-            </a:r>
+          </a:p>
+          <a:p>
             <a:r>
               <a:rPr lang="de-DE" dirty="0"/>
-              <a:t>Überlege dir eine </a:t>
-            </a:r>
-            <a:r>
-              <a:rPr lang="de-DE" dirty="0" smtClean="0"/>
-              <a:t>andere Darstellung und realisiere sie.</a:t>
-            </a:r>
-            <a:endParaRPr lang="de-DE" dirty="0"/>
+              <a:t>Optional: Überlege dir eine andere Darstellung und realisiere sie.</a:t>
+            </a:r>
           </a:p>
         </p:txBody>
       </p:sp>
@@ -3971,10 +3951,9 @@
           <a:lstStyle/>
           <a:p>
             <a:r>
-              <a:rPr lang="de-DE" dirty="0" smtClean="0"/>
+              <a:rPr lang="de-DE" dirty="0"/>
               <a:t>Für Fortgeschrittene</a:t>
             </a:r>
-            <a:endParaRPr lang="de-DE" dirty="0"/>
           </a:p>
         </p:txBody>
       </p:sp>
@@ -4036,13 +4015,6 @@
   <p:clrMapOvr>
     <a:masterClrMapping/>
   </p:clrMapOvr>
-  <p:timing>
-    <p:tnLst>
-      <p:par>
-        <p:cTn id="1" dur="indefinite" restart="never" nodeType="tmRoot"/>
-      </p:par>
-    </p:tnLst>
-  </p:timing>
 </p:sld>
 </file>
 

--- a/Countdown/Countdown.pptx
+++ b/Countdown/Countdown.pptx
@@ -201,7 +201,7 @@
           <a:p>
             <a:fld id="{DD7A25D8-F173-4133-85F8-CB962D678EB5}" type="datetimeFigureOut">
               <a:rPr lang="de-DE" smtClean="0"/>
-              <a:t>06.12.2019</a:t>
+              <a:t>09.12.2019</a:t>
             </a:fld>
             <a:endParaRPr lang="de-DE"/>
           </a:p>
@@ -599,7 +599,7 @@
           <a:p>
             <a:fld id="{FC9269F9-6F79-4414-A84E-D81C6C443C37}" type="datetimeFigureOut">
               <a:rPr lang="de-DE" smtClean="0"/>
-              <a:t>06.12.2019</a:t>
+              <a:t>09.12.2019</a:t>
             </a:fld>
             <a:endParaRPr lang="de-DE"/>
           </a:p>
@@ -1268,6 +1268,42 @@
           <a:xfrm>
             <a:off x="2074069" y="9099550"/>
             <a:ext cx="381000" cy="571500"/>
+          </a:xfrm>
+          <a:prstGeom prst="rect">
+            <a:avLst/>
+          </a:prstGeom>
+        </p:spPr>
+      </p:pic>
+      <p:pic>
+        <p:nvPicPr>
+          <p:cNvPr id="28" name="Grafik 27">
+            <a:extLst>
+              <a:ext uri="{FF2B5EF4-FFF2-40B4-BE49-F238E27FC236}">
+                <a16:creationId xmlns:a16="http://schemas.microsoft.com/office/drawing/2014/main" id="{C21A8E5D-F4B6-42E3-81F3-1868605D27F6}"/>
+              </a:ext>
+            </a:extLst>
+          </p:cNvPr>
+          <p:cNvPicPr>
+            <a:picLocks noChangeAspect="1"/>
+          </p:cNvPicPr>
+          <p:nvPr userDrawn="1"/>
+        </p:nvPicPr>
+        <p:blipFill>
+          <a:blip r:embed="rId5" cstate="print">
+            <a:extLst>
+              <a:ext uri="{28A0092B-C50C-407E-A947-70E740481C1C}">
+                <a14:useLocalDpi xmlns:a14="http://schemas.microsoft.com/office/drawing/2010/main" val="0"/>
+              </a:ext>
+            </a:extLst>
+          </a:blip>
+          <a:stretch>
+            <a:fillRect/>
+          </a:stretch>
+        </p:blipFill>
+        <p:spPr>
+          <a:xfrm>
+            <a:off x="3590172" y="8960427"/>
+            <a:ext cx="911392" cy="911392"/>
           </a:xfrm>
           <a:prstGeom prst="rect">
             <a:avLst/>
@@ -1676,6 +1712,42 @@
           </a:prstGeom>
         </p:spPr>
       </p:pic>
+      <p:pic>
+        <p:nvPicPr>
+          <p:cNvPr id="20" name="Grafik 19">
+            <a:extLst>
+              <a:ext uri="{FF2B5EF4-FFF2-40B4-BE49-F238E27FC236}">
+                <a16:creationId xmlns:a16="http://schemas.microsoft.com/office/drawing/2014/main" id="{BBFAB3B3-9B70-4C06-A733-AFBDF453FDE1}"/>
+              </a:ext>
+            </a:extLst>
+          </p:cNvPr>
+          <p:cNvPicPr>
+            <a:picLocks noChangeAspect="1"/>
+          </p:cNvPicPr>
+          <p:nvPr userDrawn="1"/>
+        </p:nvPicPr>
+        <p:blipFill>
+          <a:blip r:embed="rId4" cstate="print">
+            <a:extLst>
+              <a:ext uri="{28A0092B-C50C-407E-A947-70E740481C1C}">
+                <a14:useLocalDpi xmlns:a14="http://schemas.microsoft.com/office/drawing/2010/main" val="0"/>
+              </a:ext>
+            </a:extLst>
+          </a:blip>
+          <a:stretch>
+            <a:fillRect/>
+          </a:stretch>
+        </p:blipFill>
+        <p:spPr>
+          <a:xfrm>
+            <a:off x="3590172" y="8960427"/>
+            <a:ext cx="911392" cy="911392"/>
+          </a:xfrm>
+          <a:prstGeom prst="rect">
+            <a:avLst/>
+          </a:prstGeom>
+        </p:spPr>
+      </p:pic>
     </p:spTree>
     <p:extLst>
       <p:ext uri="{BB962C8B-B14F-4D97-AF65-F5344CB8AC3E}">
@@ -1758,7 +1830,7 @@
           <a:p>
             <a:fld id="{FC9269F9-6F79-4414-A84E-D81C6C443C37}" type="datetimeFigureOut">
               <a:rPr lang="de-DE" smtClean="0"/>
-              <a:t>06.12.2019</a:t>
+              <a:t>09.12.2019</a:t>
             </a:fld>
             <a:endParaRPr lang="de-DE"/>
           </a:p>
@@ -2199,7 +2271,7 @@
           <a:p>
             <a:fld id="{FC9269F9-6F79-4414-A84E-D81C6C443C37}" type="datetimeFigureOut">
               <a:rPr lang="de-DE" smtClean="0"/>
-              <a:t>06.12.2019</a:t>
+              <a:t>09.12.2019</a:t>
             </a:fld>
             <a:endParaRPr lang="de-DE"/>
           </a:p>
@@ -2951,6 +3023,42 @@
           </a:prstGeom>
         </p:spPr>
       </p:pic>
+      <p:pic>
+        <p:nvPicPr>
+          <p:cNvPr id="17" name="Grafik 16">
+            <a:extLst>
+              <a:ext uri="{FF2B5EF4-FFF2-40B4-BE49-F238E27FC236}">
+                <a16:creationId xmlns:a16="http://schemas.microsoft.com/office/drawing/2014/main" id="{F5024C8A-594C-4800-AAD1-67BC7A636752}"/>
+              </a:ext>
+            </a:extLst>
+          </p:cNvPr>
+          <p:cNvPicPr>
+            <a:picLocks noChangeAspect="1"/>
+          </p:cNvPicPr>
+          <p:nvPr userDrawn="1"/>
+        </p:nvPicPr>
+        <p:blipFill>
+          <a:blip r:embed="rId8" cstate="print">
+            <a:extLst>
+              <a:ext uri="{28A0092B-C50C-407E-A947-70E740481C1C}">
+                <a14:useLocalDpi xmlns:a14="http://schemas.microsoft.com/office/drawing/2010/main" val="0"/>
+              </a:ext>
+            </a:extLst>
+          </a:blip>
+          <a:stretch>
+            <a:fillRect/>
+          </a:stretch>
+        </p:blipFill>
+        <p:spPr>
+          <a:xfrm>
+            <a:off x="3590172" y="8960427"/>
+            <a:ext cx="911392" cy="911392"/>
+          </a:xfrm>
+          <a:prstGeom prst="rect">
+            <a:avLst/>
+          </a:prstGeom>
+        </p:spPr>
+      </p:pic>
     </p:spTree>
     <p:extLst>
       <p:ext uri="{BB962C8B-B14F-4D97-AF65-F5344CB8AC3E}">
@@ -3031,7 +3139,7 @@
           <a:p>
             <a:fld id="{FC9269F9-6F79-4414-A84E-D81C6C443C37}" type="datetimeFigureOut">
               <a:rPr lang="de-DE" smtClean="0"/>
-              <a:t>06.12.2019</a:t>
+              <a:t>09.12.2019</a:t>
             </a:fld>
             <a:endParaRPr lang="de-DE"/>
           </a:p>
@@ -3254,7 +3362,7 @@
           <a:p>
             <a:fld id="{FC9269F9-6F79-4414-A84E-D81C6C443C37}" type="datetimeFigureOut">
               <a:rPr lang="de-DE" smtClean="0"/>
-              <a:t>06.12.2019</a:t>
+              <a:t>09.12.2019</a:t>
             </a:fld>
             <a:endParaRPr lang="de-DE"/>
           </a:p>
@@ -3467,7 +3575,7 @@
           <a:p>
             <a:fld id="{FC9269F9-6F79-4414-A84E-D81C6C443C37}" type="datetimeFigureOut">
               <a:rPr lang="de-DE" smtClean="0"/>
-              <a:t>06.12.2019</a:t>
+              <a:t>09.12.2019</a:t>
             </a:fld>
             <a:endParaRPr lang="de-DE"/>
           </a:p>
@@ -3552,6 +3660,149 @@
           </a:p>
         </p:txBody>
       </p:sp>
+      <p:pic>
+        <p:nvPicPr>
+          <p:cNvPr id="7" name="Grafik 6">
+            <a:extLst>
+              <a:ext uri="{FF2B5EF4-FFF2-40B4-BE49-F238E27FC236}">
+                <a16:creationId xmlns:a16="http://schemas.microsoft.com/office/drawing/2014/main" id="{C216301F-7DD3-45E0-85F6-D9F77AC82799}"/>
+              </a:ext>
+            </a:extLst>
+          </p:cNvPr>
+          <p:cNvPicPr>
+            <a:picLocks noChangeAspect="1"/>
+          </p:cNvPicPr>
+          <p:nvPr userDrawn="1"/>
+        </p:nvPicPr>
+        <p:blipFill>
+          <a:blip r:embed="rId10" cstate="print">
+            <a:extLst>
+              <a:ext uri="{28A0092B-C50C-407E-A947-70E740481C1C}">
+                <a14:useLocalDpi xmlns:a14="http://schemas.microsoft.com/office/drawing/2010/main" val="0"/>
+              </a:ext>
+            </a:extLst>
+          </a:blip>
+          <a:stretch>
+            <a:fillRect/>
+          </a:stretch>
+        </p:blipFill>
+        <p:spPr>
+          <a:xfrm>
+            <a:off x="4501564" y="9267750"/>
+            <a:ext cx="1884949" cy="324000"/>
+          </a:xfrm>
+          <a:prstGeom prst="rect">
+            <a:avLst/>
+          </a:prstGeom>
+        </p:spPr>
+      </p:pic>
+      <p:pic>
+        <p:nvPicPr>
+          <p:cNvPr id="8" name="Grafik 7">
+            <a:extLst>
+              <a:ext uri="{FF2B5EF4-FFF2-40B4-BE49-F238E27FC236}">
+                <a16:creationId xmlns:a16="http://schemas.microsoft.com/office/drawing/2014/main" id="{93D2DD38-BB7D-4160-B52D-B17445AB8351}"/>
+              </a:ext>
+            </a:extLst>
+          </p:cNvPr>
+          <p:cNvPicPr>
+            <a:picLocks noChangeAspect="1"/>
+          </p:cNvPicPr>
+          <p:nvPr userDrawn="1"/>
+        </p:nvPicPr>
+        <p:blipFill rotWithShape="1">
+          <a:blip r:embed="rId11" cstate="print">
+            <a:extLst>
+              <a:ext uri="{28A0092B-C50C-407E-A947-70E740481C1C}">
+                <a14:useLocalDpi xmlns:a14="http://schemas.microsoft.com/office/drawing/2010/main" val="0"/>
+              </a:ext>
+            </a:extLst>
+          </a:blip>
+          <a:srcRect t="15984" b="15885"/>
+          <a:stretch/>
+        </p:blipFill>
+        <p:spPr>
+          <a:xfrm>
+            <a:off x="471488" y="9224307"/>
+            <a:ext cx="1604044" cy="453441"/>
+          </a:xfrm>
+          <a:prstGeom prst="rect">
+            <a:avLst/>
+          </a:prstGeom>
+        </p:spPr>
+      </p:pic>
+      <p:pic>
+        <p:nvPicPr>
+          <p:cNvPr id="9" name="Grafik 8">
+            <a:extLst>
+              <a:ext uri="{FF2B5EF4-FFF2-40B4-BE49-F238E27FC236}">
+                <a16:creationId xmlns:a16="http://schemas.microsoft.com/office/drawing/2014/main" id="{9010B6D8-8834-4340-B676-0565AD8B62E5}"/>
+              </a:ext>
+            </a:extLst>
+          </p:cNvPr>
+          <p:cNvPicPr>
+            <a:picLocks noChangeAspect="1"/>
+          </p:cNvPicPr>
+          <p:nvPr userDrawn="1"/>
+        </p:nvPicPr>
+        <p:blipFill>
+          <a:blip r:embed="rId12" cstate="print">
+            <a:extLst>
+              <a:ext uri="{28A0092B-C50C-407E-A947-70E740481C1C}">
+                <a14:useLocalDpi xmlns:a14="http://schemas.microsoft.com/office/drawing/2010/main" val="0"/>
+              </a:ext>
+            </a:extLst>
+          </a:blip>
+          <a:stretch>
+            <a:fillRect/>
+          </a:stretch>
+        </p:blipFill>
+        <p:spPr>
+          <a:xfrm>
+            <a:off x="2074069" y="9099550"/>
+            <a:ext cx="381000" cy="571500"/>
+          </a:xfrm>
+          <a:prstGeom prst="rect">
+            <a:avLst/>
+          </a:prstGeom>
+        </p:spPr>
+      </p:pic>
+      <p:pic>
+        <p:nvPicPr>
+          <p:cNvPr id="10" name="Grafik 9">
+            <a:extLst>
+              <a:ext uri="{FF2B5EF4-FFF2-40B4-BE49-F238E27FC236}">
+                <a16:creationId xmlns:a16="http://schemas.microsoft.com/office/drawing/2014/main" id="{ED4F28E3-60DA-4274-8234-5929B56428FE}"/>
+              </a:ext>
+            </a:extLst>
+          </p:cNvPr>
+          <p:cNvPicPr>
+            <a:picLocks noChangeAspect="1"/>
+          </p:cNvPicPr>
+          <p:nvPr userDrawn="1"/>
+        </p:nvPicPr>
+        <p:blipFill>
+          <a:blip r:embed="rId13" cstate="print">
+            <a:extLst>
+              <a:ext uri="{28A0092B-C50C-407E-A947-70E740481C1C}">
+                <a14:useLocalDpi xmlns:a14="http://schemas.microsoft.com/office/drawing/2010/main" val="0"/>
+              </a:ext>
+            </a:extLst>
+          </a:blip>
+          <a:stretch>
+            <a:fillRect/>
+          </a:stretch>
+        </p:blipFill>
+        <p:spPr>
+          <a:xfrm>
+            <a:off x="3590172" y="8960427"/>
+            <a:ext cx="911392" cy="911392"/>
+          </a:xfrm>
+          <a:prstGeom prst="rect">
+            <a:avLst/>
+          </a:prstGeom>
+        </p:spPr>
+      </p:pic>
     </p:spTree>
     <p:extLst>
       <p:ext uri="{BB962C8B-B14F-4D97-AF65-F5344CB8AC3E}">
